--- a/slides/PANDS 1.3 git and gitHub.pptx
+++ b/slides/PANDS 1.3 git and gitHub.pptx
@@ -122,8 +122,7 @@
 <file path=ppt/revisionInfo.xml><?xml version="1.0" encoding="utf-8"?>
 <p1510:revInfo xmlns:a="http://schemas.openxmlformats.org/drawingml/2006/main" xmlns:r="http://schemas.openxmlformats.org/officeDocument/2006/relationships" xmlns:p1510="http://schemas.microsoft.com/office/powerpoint/2015/10/main">
   <p1510:revLst>
-    <p1510:client id="{282AD89E-0F60-4CFC-97A6-C62447AB1AC0}" v="1" dt="2021-01-18T17:27:14.511"/>
-    <p1510:client id="{4BD614FE-A2AC-4D5D-9A5B-4920B09741C6}" v="2" dt="2021-01-18T15:34:50.591"/>
+    <p1510:client id="{282AD89E-0F60-4CFC-97A6-C62447AB1AC0}" v="39" dt="2021-01-21T15:33:29.522"/>
   </p1510:revLst>
 </p1510:revInfo>
 </file>
@@ -133,7 +132,7 @@
   <pc:docChgLst>
     <pc:chgData name="Andrew Beatty" userId="b3294954-d4b5-4a40-95d7-bd84a7c4023c" providerId="ADAL" clId="{282AD89E-0F60-4CFC-97A6-C62447AB1AC0}"/>
     <pc:docChg chg="custSel delSld modSld">
-      <pc:chgData name="Andrew Beatty" userId="b3294954-d4b5-4a40-95d7-bd84a7c4023c" providerId="ADAL" clId="{282AD89E-0F60-4CFC-97A6-C62447AB1AC0}" dt="2021-01-18T17:27:14.508" v="8"/>
+      <pc:chgData name="Andrew Beatty" userId="b3294954-d4b5-4a40-95d7-bd84a7c4023c" providerId="ADAL" clId="{282AD89E-0F60-4CFC-97A6-C62447AB1AC0}" dt="2021-01-21T15:33:33.739" v="58" actId="478"/>
       <pc:docMkLst>
         <pc:docMk/>
       </pc:docMkLst>
@@ -181,6 +180,76 @@
             <ac:picMk id="4" creationId="{0E456D7F-1FD6-4957-A803-41C652E257AB}"/>
           </ac:picMkLst>
         </pc:picChg>
+      </pc:sldChg>
+      <pc:sldChg chg="modSp mod">
+        <pc:chgData name="Andrew Beatty" userId="b3294954-d4b5-4a40-95d7-bd84a7c4023c" providerId="ADAL" clId="{282AD89E-0F60-4CFC-97A6-C62447AB1AC0}" dt="2021-01-21T15:30:30.708" v="10" actId="1076"/>
+        <pc:sldMkLst>
+          <pc:docMk/>
+          <pc:sldMk cId="2762330669" sldId="261"/>
+        </pc:sldMkLst>
+        <pc:spChg chg="mod">
+          <ac:chgData name="Andrew Beatty" userId="b3294954-d4b5-4a40-95d7-bd84a7c4023c" providerId="ADAL" clId="{282AD89E-0F60-4CFC-97A6-C62447AB1AC0}" dt="2021-01-21T15:30:30.708" v="10" actId="1076"/>
+          <ac:spMkLst>
+            <pc:docMk/>
+            <pc:sldMk cId="2762330669" sldId="261"/>
+            <ac:spMk id="14" creationId="{1B0726BF-45FD-44E3-BB87-B487004F5F78}"/>
+          </ac:spMkLst>
+        </pc:spChg>
+      </pc:sldChg>
+      <pc:sldChg chg="addSp delSp modSp mod">
+        <pc:chgData name="Andrew Beatty" userId="b3294954-d4b5-4a40-95d7-bd84a7c4023c" providerId="ADAL" clId="{282AD89E-0F60-4CFC-97A6-C62447AB1AC0}" dt="2021-01-21T15:33:33.739" v="58" actId="478"/>
+        <pc:sldMkLst>
+          <pc:docMk/>
+          <pc:sldMk cId="3490294905" sldId="263"/>
+        </pc:sldMkLst>
+        <pc:spChg chg="add del mod">
+          <ac:chgData name="Andrew Beatty" userId="b3294954-d4b5-4a40-95d7-bd84a7c4023c" providerId="ADAL" clId="{282AD89E-0F60-4CFC-97A6-C62447AB1AC0}" dt="2021-01-21T15:31:28.065" v="50"/>
+          <ac:spMkLst>
+            <pc:docMk/>
+            <pc:sldMk cId="3490294905" sldId="263"/>
+            <ac:spMk id="4" creationId="{C9134190-8C4C-4ECF-955B-8894BA662150}"/>
+          </ac:spMkLst>
+        </pc:spChg>
+        <pc:spChg chg="add del">
+          <ac:chgData name="Andrew Beatty" userId="b3294954-d4b5-4a40-95d7-bd84a7c4023c" providerId="ADAL" clId="{282AD89E-0F60-4CFC-97A6-C62447AB1AC0}" dt="2021-01-21T15:31:28.065" v="50"/>
+          <ac:spMkLst>
+            <pc:docMk/>
+            <pc:sldMk cId="3490294905" sldId="263"/>
+            <ac:spMk id="5" creationId="{5F2A3DCD-9451-4125-938D-6493C15F7800}"/>
+          </ac:spMkLst>
+        </pc:spChg>
+        <pc:spChg chg="del mod">
+          <ac:chgData name="Andrew Beatty" userId="b3294954-d4b5-4a40-95d7-bd84a7c4023c" providerId="ADAL" clId="{282AD89E-0F60-4CFC-97A6-C62447AB1AC0}" dt="2021-01-21T15:32:13.858" v="54" actId="478"/>
+          <ac:spMkLst>
+            <pc:docMk/>
+            <pc:sldMk cId="3490294905" sldId="263"/>
+            <ac:spMk id="6" creationId="{2DEA2E24-CC9A-4AAB-9124-53C1922A5ED5}"/>
+          </ac:spMkLst>
+        </pc:spChg>
+        <pc:spChg chg="add del">
+          <ac:chgData name="Andrew Beatty" userId="b3294954-d4b5-4a40-95d7-bd84a7c4023c" providerId="ADAL" clId="{282AD89E-0F60-4CFC-97A6-C62447AB1AC0}" dt="2021-01-21T15:33:29.522" v="57"/>
+          <ac:spMkLst>
+            <pc:docMk/>
+            <pc:sldMk cId="3490294905" sldId="263"/>
+            <ac:spMk id="7" creationId="{2A0D15F1-A5A0-4F3E-9F61-AE3F4AEB61F8}"/>
+          </ac:spMkLst>
+        </pc:spChg>
+        <pc:spChg chg="add del">
+          <ac:chgData name="Andrew Beatty" userId="b3294954-d4b5-4a40-95d7-bd84a7c4023c" providerId="ADAL" clId="{282AD89E-0F60-4CFC-97A6-C62447AB1AC0}" dt="2021-01-21T15:33:29.522" v="57"/>
+          <ac:spMkLst>
+            <pc:docMk/>
+            <pc:sldMk cId="3490294905" sldId="263"/>
+            <ac:spMk id="8" creationId="{6F262512-B259-4D02-A9A6-47C46F947B56}"/>
+          </ac:spMkLst>
+        </pc:spChg>
+        <pc:spChg chg="del mod">
+          <ac:chgData name="Andrew Beatty" userId="b3294954-d4b5-4a40-95d7-bd84a7c4023c" providerId="ADAL" clId="{282AD89E-0F60-4CFC-97A6-C62447AB1AC0}" dt="2021-01-21T15:33:33.739" v="58" actId="478"/>
+          <ac:spMkLst>
+            <pc:docMk/>
+            <pc:sldMk cId="3490294905" sldId="263"/>
+            <ac:spMk id="9" creationId="{ED98B189-67A4-4C55-BEC1-6D57911E425D}"/>
+          </ac:spMkLst>
+        </pc:spChg>
       </pc:sldChg>
       <pc:sldChg chg="modSp">
         <pc:chgData name="Andrew Beatty" userId="b3294954-d4b5-4a40-95d7-bd84a7c4023c" providerId="ADAL" clId="{282AD89E-0F60-4CFC-97A6-C62447AB1AC0}" dt="2021-01-18T15:56:00.686" v="1" actId="20577"/>
@@ -763,7 +832,7 @@
           <a:p>
             <a:fld id="{83284890-85D2-4D7B-8EF5-15A9C1DB8F42}" type="datetimeFigureOut">
               <a:rPr lang="en-US" dirty="0"/>
-              <a:t>1/18/2021</a:t>
+              <a:t>1/21/2021</a:t>
             </a:fld>
             <a:endParaRPr lang="en-US" dirty="0"/>
           </a:p>
@@ -938,7 +1007,7 @@
           <a:p>
             <a:fld id="{87157CC2-0FC8-4686-B024-99790E0F5162}" type="datetimeFigureOut">
               <a:rPr lang="en-US" dirty="0"/>
-              <a:t>1/18/2021</a:t>
+              <a:t>1/21/2021</a:t>
             </a:fld>
             <a:endParaRPr lang="en-US" dirty="0"/>
           </a:p>
@@ -1113,7 +1182,7 @@
           <a:p>
             <a:fld id="{F6764DA5-CD3D-4590-A511-FCD3BC7A793E}" type="datetimeFigureOut">
               <a:rPr lang="en-US" dirty="0"/>
-              <a:t>1/18/2021</a:t>
+              <a:t>1/21/2021</a:t>
             </a:fld>
             <a:endParaRPr lang="en-US" dirty="0"/>
           </a:p>
@@ -1278,7 +1347,7 @@
           <a:p>
             <a:fld id="{82F5661D-6934-4B32-B92C-470368BF1EC6}" type="datetimeFigureOut">
               <a:rPr lang="en-US" dirty="0"/>
-              <a:t>1/18/2021</a:t>
+              <a:t>1/21/2021</a:t>
             </a:fld>
             <a:endParaRPr lang="en-US" dirty="0"/>
           </a:p>
@@ -1586,7 +1655,7 @@
           <a:p>
             <a:fld id="{C6F822A4-8DA6-4447-9B1F-C5DB58435268}" type="datetimeFigureOut">
               <a:rPr lang="en-US" dirty="0"/>
-              <a:t>1/18/2021</a:t>
+              <a:t>1/21/2021</a:t>
             </a:fld>
             <a:endParaRPr lang="en-US" dirty="0"/>
           </a:p>
@@ -1968,7 +2037,7 @@
           <a:p>
             <a:fld id="{E548D31E-DCDA-41A7-9C67-C4B11B94D21D}" type="datetimeFigureOut">
               <a:rPr lang="en-US" dirty="0"/>
-              <a:t>1/18/2021</a:t>
+              <a:t>1/21/2021</a:t>
             </a:fld>
             <a:endParaRPr lang="en-US" dirty="0"/>
           </a:p>
@@ -2397,7 +2466,7 @@
           <a:p>
             <a:fld id="{9B3762C0-B258-48F1-ADE6-176B4174CCDD}" type="datetimeFigureOut">
               <a:rPr lang="en-US" dirty="0"/>
-              <a:t>1/18/2021</a:t>
+              <a:t>1/21/2021</a:t>
             </a:fld>
             <a:endParaRPr lang="en-US" dirty="0"/>
           </a:p>
@@ -2510,7 +2579,7 @@
           <a:p>
             <a:fld id="{677919A6-33EB-49BD-A62F-1FA56B9F9712}" type="datetimeFigureOut">
               <a:rPr lang="en-US" dirty="0"/>
-              <a:t>1/18/2021</a:t>
+              <a:t>1/21/2021</a:t>
             </a:fld>
             <a:endParaRPr lang="en-US" dirty="0"/>
           </a:p>
@@ -2600,7 +2669,7 @@
           <a:p>
             <a:fld id="{CA4E7D1B-D673-4CF6-8672-009D42ABD2A0}" type="datetimeFigureOut">
               <a:rPr lang="en-US" dirty="0"/>
-              <a:t>1/18/2021</a:t>
+              <a:t>1/21/2021</a:t>
             </a:fld>
             <a:endParaRPr lang="en-US" dirty="0"/>
           </a:p>
@@ -2945,7 +3014,7 @@
           <a:p>
             <a:fld id="{DA16AA21-1863-4931-97CB-99D0A168701B}" type="datetimeFigureOut">
               <a:rPr lang="en-US" dirty="0"/>
-              <a:t>1/18/2021</a:t>
+              <a:t>1/21/2021</a:t>
             </a:fld>
             <a:endParaRPr lang="en-US" dirty="0"/>
           </a:p>
@@ -3365,7 +3434,7 @@
           <a:p>
             <a:fld id="{3772C379-9A7C-4C87-A116-CBE9F58B04C5}" type="datetimeFigureOut">
               <a:rPr lang="en-US" dirty="0"/>
-              <a:t>1/18/2021</a:t>
+              <a:t>1/21/2021</a:t>
             </a:fld>
             <a:endParaRPr lang="en-US" dirty="0"/>
           </a:p>
@@ -3641,7 +3710,7 @@
           <a:p>
             <a:fld id="{8664C608-40B1-4030-A28D-5B74BC98ADCE}" type="datetimeFigureOut">
               <a:rPr lang="en-US" dirty="0"/>
-              <a:t>1/18/2021</a:t>
+              <a:t>1/21/2021</a:t>
             </a:fld>
             <a:endParaRPr lang="en-US" dirty="0"/>
           </a:p>
@@ -5977,7 +6046,7 @@
         </p:nvSpPr>
         <p:spPr>
           <a:xfrm>
-            <a:off x="-6400800" y="-7108722"/>
+            <a:off x="-6400800" y="-6961238"/>
             <a:ext cx="26606090" cy="21267175"/>
           </a:xfrm>
           <a:custGeom>
@@ -7415,6 +7484,21 @@
 </file>
 
 <file path=customXml/item1.xml><?xml version="1.0" encoding="utf-8"?>
+<?mso-contentType ?>
+<FormTemplates xmlns="http://schemas.microsoft.com/sharepoint/v3/contenttype/forms">
+  <Display>DocumentLibraryForm</Display>
+  <Edit>DocumentLibraryForm</Edit>
+  <New>DocumentLibraryForm</New>
+</FormTemplates>
+</file>
+
+<file path=customXml/item2.xml><?xml version="1.0" encoding="utf-8"?>
+<p:properties xmlns:p="http://schemas.microsoft.com/office/2006/metadata/properties" xmlns:xsi="http://www.w3.org/2001/XMLSchema-instance" xmlns:pc="http://schemas.microsoft.com/office/infopath/2007/PartnerControls">
+  <documentManagement/>
+</p:properties>
+</file>
+
+<file path=customXml/item3.xml><?xml version="1.0" encoding="utf-8"?>
 <ct:contentTypeSchema xmlns:ct="http://schemas.microsoft.com/office/2006/metadata/contentType" xmlns:ma="http://schemas.microsoft.com/office/2006/metadata/properties/metaAttributes" ct:_="" ma:_="" ma:contentTypeName="Document" ma:contentTypeID="0x010100C05BE44F8B11DE4F939C950F2FB86D25" ma:contentTypeVersion="11" ma:contentTypeDescription="Create a new document." ma:contentTypeScope="" ma:versionID="34395f23b8de4b16e096ba3e98d4229f">
   <xsd:schema xmlns:xsd="http://www.w3.org/2001/XMLSchema" xmlns:xs="http://www.w3.org/2001/XMLSchema" xmlns:p="http://schemas.microsoft.com/office/2006/metadata/properties" xmlns:ns3="022397c6-a0dd-4bd1-b5b2-3083c75319a8" xmlns:ns4="3b79411a-74a9-4456-bf24-7becf0a1874f" targetNamespace="http://schemas.microsoft.com/office/2006/metadata/properties" ma:root="true" ma:fieldsID="28687c8373083c78378f53178b130d56" ns3:_="" ns4:_="">
     <xsd:import namespace="022397c6-a0dd-4bd1-b5b2-3083c75319a8"/>
@@ -7623,22 +7707,24 @@
 </ct:contentTypeSchema>
 </file>
 
-<file path=customXml/item2.xml><?xml version="1.0" encoding="utf-8"?>
-<p:properties xmlns:p="http://schemas.microsoft.com/office/2006/metadata/properties" xmlns:xsi="http://www.w3.org/2001/XMLSchema-instance" xmlns:pc="http://schemas.microsoft.com/office/infopath/2007/PartnerControls">
-  <documentManagement/>
-</p:properties>
+<file path=customXml/itemProps1.xml><?xml version="1.0" encoding="utf-8"?>
+<ds:datastoreItem xmlns:ds="http://schemas.openxmlformats.org/officeDocument/2006/customXml" ds:itemID="{BF3BE34A-32C9-4C91-B1CF-33F70A7D8BAD}">
+  <ds:schemaRefs>
+    <ds:schemaRef ds:uri="http://schemas.microsoft.com/sharepoint/v3/contenttype/forms"/>
+  </ds:schemaRefs>
+</ds:datastoreItem>
 </file>
 
-<file path=customXml/item3.xml><?xml version="1.0" encoding="utf-8"?>
-<?mso-contentType ?>
-<FormTemplates xmlns="http://schemas.microsoft.com/sharepoint/v3/contenttype/forms">
-  <Display>DocumentLibraryForm</Display>
-  <Edit>DocumentLibraryForm</Edit>
-  <New>DocumentLibraryForm</New>
-</FormTemplates>
+<file path=customXml/itemProps2.xml><?xml version="1.0" encoding="utf-8"?>
+<ds:datastoreItem xmlns:ds="http://schemas.openxmlformats.org/officeDocument/2006/customXml" ds:itemID="{093F962E-2A62-4241-9ED6-8AA3A164CFB6}">
+  <ds:schemaRefs>
+    <ds:schemaRef ds:uri="http://schemas.microsoft.com/office/2006/metadata/properties"/>
+    <ds:schemaRef ds:uri="http://schemas.microsoft.com/office/infopath/2007/PartnerControls"/>
+  </ds:schemaRefs>
+</ds:datastoreItem>
 </file>
 
-<file path=customXml/itemProps1.xml><?xml version="1.0" encoding="utf-8"?>
+<file path=customXml/itemProps3.xml><?xml version="1.0" encoding="utf-8"?>
 <ds:datastoreItem xmlns:ds="http://schemas.openxmlformats.org/officeDocument/2006/customXml" ds:itemID="{B7E7B250-A0BB-4D63-9061-469A9AC3CBB1}">
   <ds:schemaRefs>
     <ds:schemaRef ds:uri="http://schemas.microsoft.com/office/2006/metadata/contentType"/>
@@ -7655,21 +7741,4 @@
     <ds:schemaRef ds:uri="http://schemas.microsoft.com/internal/obd"/>
   </ds:schemaRefs>
 </ds:datastoreItem>
-</file>
-
-<file path=customXml/itemProps2.xml><?xml version="1.0" encoding="utf-8"?>
-<ds:datastoreItem xmlns:ds="http://schemas.openxmlformats.org/officeDocument/2006/customXml" ds:itemID="{093F962E-2A62-4241-9ED6-8AA3A164CFB6}">
-  <ds:schemaRefs>
-    <ds:schemaRef ds:uri="http://schemas.microsoft.com/office/2006/metadata/properties"/>
-    <ds:schemaRef ds:uri="http://schemas.microsoft.com/office/infopath/2007/PartnerControls"/>
-  </ds:schemaRefs>
-</ds:datastoreItem>
-</file>
-
-<file path=customXml/itemProps3.xml><?xml version="1.0" encoding="utf-8"?>
-<ds:datastoreItem xmlns:ds="http://schemas.openxmlformats.org/officeDocument/2006/customXml" ds:itemID="{BF3BE34A-32C9-4C91-B1CF-33F70A7D8BAD}">
-  <ds:schemaRefs>
-    <ds:schemaRef ds:uri="http://schemas.microsoft.com/sharepoint/v3/contenttype/forms"/>
-  </ds:schemaRefs>
-</ds:datastoreItem>
 </file>